--- a/Lectures/Game AI 5.pptx
+++ b/Lectures/Game AI 5.pptx
@@ -231,7 +231,7 @@
           <a:p>
             <a:fld id="{8B5F6ADF-76BE-4E67-B3A7-E4E519D3E160}" type="datetimeFigureOut">
               <a:rPr lang="en-IE" smtClean="0"/>
-              <a:t>10/03/2014</a:t>
+              <a:t>24/03/2014</a:t>
             </a:fld>
             <a:endParaRPr lang="en-IE" dirty="0"/>
           </a:p>
@@ -680,7 +680,7 @@
           <a:p>
             <a:fld id="{6FA70D29-463A-43D6-BBEF-693D30580A1C}" type="datetimeFigureOut">
               <a:rPr lang="en-IE" smtClean="0"/>
-              <a:t>10/03/2014</a:t>
+              <a:t>24/03/2014</a:t>
             </a:fld>
             <a:endParaRPr lang="en-IE" dirty="0"/>
           </a:p>
@@ -850,7 +850,7 @@
           <a:p>
             <a:fld id="{6FA70D29-463A-43D6-BBEF-693D30580A1C}" type="datetimeFigureOut">
               <a:rPr lang="en-IE" smtClean="0"/>
-              <a:t>10/03/2014</a:t>
+              <a:t>24/03/2014</a:t>
             </a:fld>
             <a:endParaRPr lang="en-IE" dirty="0"/>
           </a:p>
@@ -1030,7 +1030,7 @@
           <a:p>
             <a:fld id="{6FA70D29-463A-43D6-BBEF-693D30580A1C}" type="datetimeFigureOut">
               <a:rPr lang="en-IE" smtClean="0"/>
-              <a:t>10/03/2014</a:t>
+              <a:t>24/03/2014</a:t>
             </a:fld>
             <a:endParaRPr lang="en-IE" dirty="0"/>
           </a:p>
@@ -1200,7 +1200,7 @@
           <a:p>
             <a:fld id="{6FA70D29-463A-43D6-BBEF-693D30580A1C}" type="datetimeFigureOut">
               <a:rPr lang="en-IE" smtClean="0"/>
-              <a:t>10/03/2014</a:t>
+              <a:t>24/03/2014</a:t>
             </a:fld>
             <a:endParaRPr lang="en-IE" dirty="0"/>
           </a:p>
@@ -1446,7 +1446,7 @@
           <a:p>
             <a:fld id="{6FA70D29-463A-43D6-BBEF-693D30580A1C}" type="datetimeFigureOut">
               <a:rPr lang="en-IE" smtClean="0"/>
-              <a:t>10/03/2014</a:t>
+              <a:t>24/03/2014</a:t>
             </a:fld>
             <a:endParaRPr lang="en-IE" dirty="0"/>
           </a:p>
@@ -1734,7 +1734,7 @@
           <a:p>
             <a:fld id="{6FA70D29-463A-43D6-BBEF-693D30580A1C}" type="datetimeFigureOut">
               <a:rPr lang="en-IE" smtClean="0"/>
-              <a:t>10/03/2014</a:t>
+              <a:t>24/03/2014</a:t>
             </a:fld>
             <a:endParaRPr lang="en-IE" dirty="0"/>
           </a:p>
@@ -2156,7 +2156,7 @@
           <a:p>
             <a:fld id="{6FA70D29-463A-43D6-BBEF-693D30580A1C}" type="datetimeFigureOut">
               <a:rPr lang="en-IE" smtClean="0"/>
-              <a:t>10/03/2014</a:t>
+              <a:t>24/03/2014</a:t>
             </a:fld>
             <a:endParaRPr lang="en-IE" dirty="0"/>
           </a:p>
@@ -2274,7 +2274,7 @@
           <a:p>
             <a:fld id="{6FA70D29-463A-43D6-BBEF-693D30580A1C}" type="datetimeFigureOut">
               <a:rPr lang="en-IE" smtClean="0"/>
-              <a:t>10/03/2014</a:t>
+              <a:t>24/03/2014</a:t>
             </a:fld>
             <a:endParaRPr lang="en-IE" dirty="0"/>
           </a:p>
@@ -2369,7 +2369,7 @@
           <a:p>
             <a:fld id="{6FA70D29-463A-43D6-BBEF-693D30580A1C}" type="datetimeFigureOut">
               <a:rPr lang="en-IE" smtClean="0"/>
-              <a:t>10/03/2014</a:t>
+              <a:t>24/03/2014</a:t>
             </a:fld>
             <a:endParaRPr lang="en-IE" dirty="0"/>
           </a:p>
@@ -2646,7 +2646,7 @@
           <a:p>
             <a:fld id="{6FA70D29-463A-43D6-BBEF-693D30580A1C}" type="datetimeFigureOut">
               <a:rPr lang="en-IE" smtClean="0"/>
-              <a:t>10/03/2014</a:t>
+              <a:t>24/03/2014</a:t>
             </a:fld>
             <a:endParaRPr lang="en-IE" dirty="0"/>
           </a:p>
@@ -2899,7 +2899,7 @@
           <a:p>
             <a:fld id="{6FA70D29-463A-43D6-BBEF-693D30580A1C}" type="datetimeFigureOut">
               <a:rPr lang="en-IE" smtClean="0"/>
-              <a:t>10/03/2014</a:t>
+              <a:t>24/03/2014</a:t>
             </a:fld>
             <a:endParaRPr lang="en-IE" dirty="0"/>
           </a:p>
@@ -3112,7 +3112,7 @@
           <a:p>
             <a:fld id="{6FA70D29-463A-43D6-BBEF-693D30580A1C}" type="datetimeFigureOut">
               <a:rPr lang="en-IE" smtClean="0"/>
-              <a:t>10/03/2014</a:t>
+              <a:t>24/03/2014</a:t>
             </a:fld>
             <a:endParaRPr lang="en-IE" dirty="0"/>
           </a:p>
@@ -3581,7 +3581,9 @@
         </p:nvSpPr>
         <p:spPr/>
         <p:txBody>
-          <a:bodyPr/>
+          <a:bodyPr>
+            <a:normAutofit fontScale="90000"/>
+          </a:bodyPr>
           <a:lstStyle/>
           <a:p>
             <a:r>
@@ -3593,7 +3595,22 @@
             </a:br>
             <a:r>
               <a:rPr lang="en-IE" dirty="0" smtClean="0"/>
-              <a:t>(Game Engines 2)</a:t>
+              <a:t>(Game Engines 2</a:t>
+            </a:r>
+            <a:r>
+              <a:rPr lang="en-IE" dirty="0" smtClean="0"/>
+              <a:t>)</a:t>
+            </a:r>
+            <a:br>
+              <a:rPr lang="en-IE" dirty="0" smtClean="0"/>
+            </a:br>
+            <a:r>
+              <a:rPr lang="en-IE" dirty="0" smtClean="0"/>
+              <a:t>Flocking, Combining Steering Behaviours, </a:t>
+            </a:r>
+            <a:r>
+              <a:rPr lang="en-IE" smtClean="0"/>
+              <a:t>Space Partitioning</a:t>
             </a:r>
             <a:endParaRPr lang="en-IE" dirty="0"/>
           </a:p>
@@ -7493,7 +7510,6 @@
               <a:rPr lang="en-IE" dirty="0" smtClean="0"/>
               <a:t>Flocking</a:t>
             </a:r>
-            <a:endParaRPr lang="en-IE" dirty="0" smtClean="0"/>
           </a:p>
           <a:p>
             <a:pPr lvl="1"/>

--- a/Lectures/Game AI 5.pptx
+++ b/Lectures/Game AI 5.pptx
@@ -231,7 +231,7 @@
           <a:p>
             <a:fld id="{8B5F6ADF-76BE-4E67-B3A7-E4E519D3E160}" type="datetimeFigureOut">
               <a:rPr lang="en-IE" smtClean="0"/>
-              <a:t>24/03/2014</a:t>
+              <a:t>26/03/2014</a:t>
             </a:fld>
             <a:endParaRPr lang="en-IE" dirty="0"/>
           </a:p>
@@ -680,7 +680,7 @@
           <a:p>
             <a:fld id="{6FA70D29-463A-43D6-BBEF-693D30580A1C}" type="datetimeFigureOut">
               <a:rPr lang="en-IE" smtClean="0"/>
-              <a:t>24/03/2014</a:t>
+              <a:t>26/03/2014</a:t>
             </a:fld>
             <a:endParaRPr lang="en-IE" dirty="0"/>
           </a:p>
@@ -850,7 +850,7 @@
           <a:p>
             <a:fld id="{6FA70D29-463A-43D6-BBEF-693D30580A1C}" type="datetimeFigureOut">
               <a:rPr lang="en-IE" smtClean="0"/>
-              <a:t>24/03/2014</a:t>
+              <a:t>26/03/2014</a:t>
             </a:fld>
             <a:endParaRPr lang="en-IE" dirty="0"/>
           </a:p>
@@ -1030,7 +1030,7 @@
           <a:p>
             <a:fld id="{6FA70D29-463A-43D6-BBEF-693D30580A1C}" type="datetimeFigureOut">
               <a:rPr lang="en-IE" smtClean="0"/>
-              <a:t>24/03/2014</a:t>
+              <a:t>26/03/2014</a:t>
             </a:fld>
             <a:endParaRPr lang="en-IE" dirty="0"/>
           </a:p>
@@ -1200,7 +1200,7 @@
           <a:p>
             <a:fld id="{6FA70D29-463A-43D6-BBEF-693D30580A1C}" type="datetimeFigureOut">
               <a:rPr lang="en-IE" smtClean="0"/>
-              <a:t>24/03/2014</a:t>
+              <a:t>26/03/2014</a:t>
             </a:fld>
             <a:endParaRPr lang="en-IE" dirty="0"/>
           </a:p>
@@ -1446,7 +1446,7 @@
           <a:p>
             <a:fld id="{6FA70D29-463A-43D6-BBEF-693D30580A1C}" type="datetimeFigureOut">
               <a:rPr lang="en-IE" smtClean="0"/>
-              <a:t>24/03/2014</a:t>
+              <a:t>26/03/2014</a:t>
             </a:fld>
             <a:endParaRPr lang="en-IE" dirty="0"/>
           </a:p>
@@ -1734,7 +1734,7 @@
           <a:p>
             <a:fld id="{6FA70D29-463A-43D6-BBEF-693D30580A1C}" type="datetimeFigureOut">
               <a:rPr lang="en-IE" smtClean="0"/>
-              <a:t>24/03/2014</a:t>
+              <a:t>26/03/2014</a:t>
             </a:fld>
             <a:endParaRPr lang="en-IE" dirty="0"/>
           </a:p>
@@ -2156,7 +2156,7 @@
           <a:p>
             <a:fld id="{6FA70D29-463A-43D6-BBEF-693D30580A1C}" type="datetimeFigureOut">
               <a:rPr lang="en-IE" smtClean="0"/>
-              <a:t>24/03/2014</a:t>
+              <a:t>26/03/2014</a:t>
             </a:fld>
             <a:endParaRPr lang="en-IE" dirty="0"/>
           </a:p>
@@ -2274,7 +2274,7 @@
           <a:p>
             <a:fld id="{6FA70D29-463A-43D6-BBEF-693D30580A1C}" type="datetimeFigureOut">
               <a:rPr lang="en-IE" smtClean="0"/>
-              <a:t>24/03/2014</a:t>
+              <a:t>26/03/2014</a:t>
             </a:fld>
             <a:endParaRPr lang="en-IE" dirty="0"/>
           </a:p>
@@ -2369,7 +2369,7 @@
           <a:p>
             <a:fld id="{6FA70D29-463A-43D6-BBEF-693D30580A1C}" type="datetimeFigureOut">
               <a:rPr lang="en-IE" smtClean="0"/>
-              <a:t>24/03/2014</a:t>
+              <a:t>26/03/2014</a:t>
             </a:fld>
             <a:endParaRPr lang="en-IE" dirty="0"/>
           </a:p>
@@ -2646,7 +2646,7 @@
           <a:p>
             <a:fld id="{6FA70D29-463A-43D6-BBEF-693D30580A1C}" type="datetimeFigureOut">
               <a:rPr lang="en-IE" smtClean="0"/>
-              <a:t>24/03/2014</a:t>
+              <a:t>26/03/2014</a:t>
             </a:fld>
             <a:endParaRPr lang="en-IE" dirty="0"/>
           </a:p>
@@ -2899,7 +2899,7 @@
           <a:p>
             <a:fld id="{6FA70D29-463A-43D6-BBEF-693D30580A1C}" type="datetimeFigureOut">
               <a:rPr lang="en-IE" smtClean="0"/>
-              <a:t>24/03/2014</a:t>
+              <a:t>26/03/2014</a:t>
             </a:fld>
             <a:endParaRPr lang="en-IE" dirty="0"/>
           </a:p>
@@ -3112,7 +3112,7 @@
           <a:p>
             <a:fld id="{6FA70D29-463A-43D6-BBEF-693D30580A1C}" type="datetimeFigureOut">
               <a:rPr lang="en-IE" smtClean="0"/>
-              <a:t>24/03/2014</a:t>
+              <a:t>26/03/2014</a:t>
             </a:fld>
             <a:endParaRPr lang="en-IE" dirty="0"/>
           </a:p>
@@ -3587,19 +3587,12 @@
           <a:lstStyle/>
           <a:p>
             <a:r>
-              <a:rPr lang="en-IE" dirty="0" smtClean="0"/>
-              <a:t>Game AI</a:t>
-            </a:r>
-            <a:br>
-              <a:rPr lang="en-IE" dirty="0" smtClean="0"/>
-            </a:br>
-            <a:r>
-              <a:rPr lang="en-IE" dirty="0" smtClean="0"/>
-              <a:t>(Game Engines 2</a:t>
-            </a:r>
-            <a:r>
-              <a:rPr lang="en-IE" dirty="0" smtClean="0"/>
-              <a:t>)</a:t>
+              <a:rPr lang="en-IE" smtClean="0"/>
+              <a:t>Game AI/Game Engines 2</a:t>
+            </a:r>
+            <a:r>
+              <a:rPr lang="en-IE" dirty="0" smtClean="0"/>
+              <a:t/>
             </a:r>
             <a:br>
               <a:rPr lang="en-IE" dirty="0" smtClean="0"/>
